--- a/- Slides/CS301_Bootcamp_Linked_Lists.pptx
+++ b/- Slides/CS301_Bootcamp_Linked_Lists.pptx
@@ -245,7 +245,7 @@
           <a:p>
             <a:fld id="{4081F25B-69AE-4903-8504-5228045AD135}" type="datetimeFigureOut">
               <a:rPr lang="en-US" smtClean="0"/>
-              <a:t>8/11/2023</a:t>
+              <a:t>1/26/2024</a:t>
             </a:fld>
             <a:endParaRPr lang="en-US"/>
           </a:p>
@@ -1016,6 +1016,90 @@
 </p:notes>
 </file>
 
+<file path=ppt/notesSlides/notesSlide7.xml><?xml version="1.0" encoding="utf-8"?>
+<p:notes xmlns:a="http://schemas.openxmlformats.org/drawingml/2006/main" xmlns:r="http://schemas.openxmlformats.org/officeDocument/2006/relationships" xmlns:p="http://schemas.openxmlformats.org/presentationml/2006/main">
+  <p:cSld>
+    <p:spTree>
+      <p:nvGrpSpPr>
+        <p:cNvPr id="1" name=""/>
+        <p:cNvGrpSpPr/>
+        <p:nvPr/>
+      </p:nvGrpSpPr>
+      <p:grpSpPr>
+        <a:xfrm>
+          <a:off x="0" y="0"/>
+          <a:ext cx="0" cy="0"/>
+          <a:chOff x="0" y="0"/>
+          <a:chExt cx="0" cy="0"/>
+        </a:xfrm>
+      </p:grpSpPr>
+      <p:sp>
+        <p:nvSpPr>
+          <p:cNvPr id="2" name="Slide Image Placeholder 1"/>
+          <p:cNvSpPr>
+            <a:spLocks noGrp="1" noRot="1" noChangeAspect="1"/>
+          </p:cNvSpPr>
+          <p:nvPr>
+            <p:ph type="sldImg"/>
+          </p:nvPr>
+        </p:nvSpPr>
+        <p:spPr/>
+      </p:sp>
+      <p:sp>
+        <p:nvSpPr>
+          <p:cNvPr id="3" name="Notes Placeholder 2"/>
+          <p:cNvSpPr>
+            <a:spLocks noGrp="1"/>
+          </p:cNvSpPr>
+          <p:nvPr>
+            <p:ph type="body" idx="1"/>
+          </p:nvPr>
+        </p:nvSpPr>
+        <p:spPr/>
+        <p:txBody>
+          <a:bodyPr/>
+          <a:lstStyle/>
+          <a:p>
+            <a:endParaRPr lang="en-US"/>
+          </a:p>
+        </p:txBody>
+      </p:sp>
+      <p:sp>
+        <p:nvSpPr>
+          <p:cNvPr id="4" name="Slide Number Placeholder 3"/>
+          <p:cNvSpPr>
+            <a:spLocks noGrp="1"/>
+          </p:cNvSpPr>
+          <p:nvPr>
+            <p:ph type="sldNum" sz="quarter" idx="5"/>
+          </p:nvPr>
+        </p:nvSpPr>
+        <p:spPr/>
+        <p:txBody>
+          <a:bodyPr/>
+          <a:lstStyle/>
+          <a:p>
+            <a:fld id="{0EA7F0F4-3C26-4460-9542-A08BAE8C602C}" type="slidenum">
+              <a:rPr lang="en-US" smtClean="0"/>
+              <a:t>49</a:t>
+            </a:fld>
+            <a:endParaRPr lang="en-US"/>
+          </a:p>
+        </p:txBody>
+      </p:sp>
+    </p:spTree>
+    <p:extLst>
+      <p:ext uri="{BB962C8B-B14F-4D97-AF65-F5344CB8AC3E}">
+        <p14:creationId xmlns:p14="http://schemas.microsoft.com/office/powerpoint/2010/main" val="4175775264"/>
+      </p:ext>
+    </p:extLst>
+  </p:cSld>
+  <p:clrMapOvr>
+    <a:masterClrMapping/>
+  </p:clrMapOvr>
+</p:notes>
+</file>
+
 <file path=ppt/slideLayouts/slideLayout1.xml><?xml version="1.0" encoding="utf-8"?>
 <p:sldLayout xmlns:a="http://schemas.openxmlformats.org/drawingml/2006/main" xmlns:r="http://schemas.openxmlformats.org/officeDocument/2006/relationships" xmlns:p="http://schemas.openxmlformats.org/presentationml/2006/main" type="title" preserve="1">
   <p:cSld name="Title Slide">
@@ -1163,7 +1247,7 @@
           <a:p>
             <a:fld id="{EC5A0E46-DF2F-4CF0-B206-42CD27B775C6}" type="datetimeFigureOut">
               <a:rPr lang="en-US" smtClean="0"/>
-              <a:t>8/11/2023</a:t>
+              <a:t>1/26/2024</a:t>
             </a:fld>
             <a:endParaRPr lang="en-US"/>
           </a:p>
@@ -1397,7 +1481,7 @@
           <a:p>
             <a:fld id="{EC5A0E46-DF2F-4CF0-B206-42CD27B775C6}" type="datetimeFigureOut">
               <a:rPr lang="en-US" smtClean="0"/>
-              <a:t>8/11/2023</a:t>
+              <a:t>1/26/2024</a:t>
             </a:fld>
             <a:endParaRPr lang="en-US"/>
           </a:p>
@@ -1605,7 +1689,7 @@
           <a:p>
             <a:fld id="{EC5A0E46-DF2F-4CF0-B206-42CD27B775C6}" type="datetimeFigureOut">
               <a:rPr lang="en-US" smtClean="0"/>
-              <a:t>8/11/2023</a:t>
+              <a:t>1/26/2024</a:t>
             </a:fld>
             <a:endParaRPr lang="en-US"/>
           </a:p>
@@ -1813,7 +1897,7 @@
           <a:p>
             <a:fld id="{EC5A0E46-DF2F-4CF0-B206-42CD27B775C6}" type="datetimeFigureOut">
               <a:rPr lang="en-US" smtClean="0"/>
-              <a:t>8/11/2023</a:t>
+              <a:t>1/26/2024</a:t>
             </a:fld>
             <a:endParaRPr lang="en-US"/>
           </a:p>
@@ -2088,7 +2172,7 @@
           <a:p>
             <a:fld id="{EC5A0E46-DF2F-4CF0-B206-42CD27B775C6}" type="datetimeFigureOut">
               <a:rPr lang="en-US" smtClean="0"/>
-              <a:t>8/11/2023</a:t>
+              <a:t>1/26/2024</a:t>
             </a:fld>
             <a:endParaRPr lang="en-US"/>
           </a:p>
@@ -2358,7 +2442,7 @@
           <a:p>
             <a:fld id="{EC5A0E46-DF2F-4CF0-B206-42CD27B775C6}" type="datetimeFigureOut">
               <a:rPr lang="en-US" smtClean="0"/>
-              <a:t>8/11/2023</a:t>
+              <a:t>1/26/2024</a:t>
             </a:fld>
             <a:endParaRPr lang="en-US"/>
           </a:p>
@@ -2770,7 +2854,7 @@
           <a:p>
             <a:fld id="{EC5A0E46-DF2F-4CF0-B206-42CD27B775C6}" type="datetimeFigureOut">
               <a:rPr lang="en-US" smtClean="0"/>
-              <a:t>8/11/2023</a:t>
+              <a:t>1/26/2024</a:t>
             </a:fld>
             <a:endParaRPr lang="en-US"/>
           </a:p>
@@ -2911,7 +2995,7 @@
           <a:p>
             <a:fld id="{EC5A0E46-DF2F-4CF0-B206-42CD27B775C6}" type="datetimeFigureOut">
               <a:rPr lang="en-US" smtClean="0"/>
-              <a:t>8/11/2023</a:t>
+              <a:t>1/26/2024</a:t>
             </a:fld>
             <a:endParaRPr lang="en-US"/>
           </a:p>
@@ -3024,7 +3108,7 @@
           <a:p>
             <a:fld id="{EC5A0E46-DF2F-4CF0-B206-42CD27B775C6}" type="datetimeFigureOut">
               <a:rPr lang="en-US" smtClean="0"/>
-              <a:t>8/11/2023</a:t>
+              <a:t>1/26/2024</a:t>
             </a:fld>
             <a:endParaRPr lang="en-US"/>
           </a:p>
@@ -3335,7 +3419,7 @@
           <a:p>
             <a:fld id="{EC5A0E46-DF2F-4CF0-B206-42CD27B775C6}" type="datetimeFigureOut">
               <a:rPr lang="en-US" smtClean="0"/>
-              <a:t>8/11/2023</a:t>
+              <a:t>1/26/2024</a:t>
             </a:fld>
             <a:endParaRPr lang="en-US"/>
           </a:p>
@@ -3623,7 +3707,7 @@
           <a:p>
             <a:fld id="{EC5A0E46-DF2F-4CF0-B206-42CD27B775C6}" type="datetimeFigureOut">
               <a:rPr lang="en-US" smtClean="0"/>
-              <a:t>8/11/2023</a:t>
+              <a:t>1/26/2024</a:t>
             </a:fld>
             <a:endParaRPr lang="en-US"/>
           </a:p>
@@ -3864,7 +3948,7 @@
           <a:p>
             <a:fld id="{EC5A0E46-DF2F-4CF0-B206-42CD27B775C6}" type="datetimeFigureOut">
               <a:rPr lang="en-US" smtClean="0"/>
-              <a:t>8/11/2023</a:t>
+              <a:t>1/26/2024</a:t>
             </a:fld>
             <a:endParaRPr lang="en-US"/>
           </a:p>
@@ -28355,67 +28439,6 @@
       </p:grpSpPr>
       <p:sp>
         <p:nvSpPr>
-          <p:cNvPr id="2" name="Title 1">
-            <a:extLst>
-              <a:ext uri="{FF2B5EF4-FFF2-40B4-BE49-F238E27FC236}">
-                <a16:creationId xmlns:a16="http://schemas.microsoft.com/office/drawing/2014/main" id="{3D7C383E-54F8-4554-BAC6-ED5817877522}"/>
-              </a:ext>
-            </a:extLst>
-          </p:cNvPr>
-          <p:cNvSpPr>
-            <a:spLocks noGrp="1"/>
-          </p:cNvSpPr>
-          <p:nvPr>
-            <p:ph type="title"/>
-          </p:nvPr>
-        </p:nvSpPr>
-        <p:spPr/>
-        <p:txBody>
-          <a:bodyPr/>
-          <a:lstStyle/>
-          <a:p>
-            <a:r>
-              <a:rPr lang="en-US" dirty="0"/>
-              <a:t>Linked List example</a:t>
-            </a:r>
-          </a:p>
-        </p:txBody>
-      </p:sp>
-      <p:sp>
-        <p:nvSpPr>
-          <p:cNvPr id="3" name="Content Placeholder 2">
-            <a:extLst>
-              <a:ext uri="{FF2B5EF4-FFF2-40B4-BE49-F238E27FC236}">
-                <a16:creationId xmlns:a16="http://schemas.microsoft.com/office/drawing/2014/main" id="{329E81CF-9648-4F9D-A392-60AA54B192DC}"/>
-              </a:ext>
-            </a:extLst>
-          </p:cNvPr>
-          <p:cNvSpPr>
-            <a:spLocks noGrp="1"/>
-          </p:cNvSpPr>
-          <p:nvPr>
-            <p:ph idx="1"/>
-          </p:nvPr>
-        </p:nvSpPr>
-        <p:spPr>
-          <a:xfrm>
-            <a:off x="7424659" y="1600201"/>
-            <a:ext cx="2786141" cy="4525963"/>
-          </a:xfrm>
-        </p:spPr>
-        <p:txBody>
-          <a:bodyPr/>
-          <a:lstStyle/>
-          <a:p>
-            <a:r>
-              <a:rPr lang="en-US" dirty="0"/>
-              <a:t>Main function</a:t>
-            </a:r>
-          </a:p>
-        </p:txBody>
-      </p:sp>
-      <p:sp>
-        <p:nvSpPr>
           <p:cNvPr id="4" name="Slide Number Placeholder 3">
             <a:extLst>
               <a:ext uri="{FF2B5EF4-FFF2-40B4-BE49-F238E27FC236}">
@@ -30746,6 +30769,31 @@
               <a:t>}</a:t>
             </a:r>
             <a:endParaRPr lang="en-US" sz="1000" dirty="0"/>
+          </a:p>
+        </p:txBody>
+      </p:sp>
+      <p:sp>
+        <p:nvSpPr>
+          <p:cNvPr id="9" name="Content Placeholder 8">
+            <a:extLst>
+              <a:ext uri="{FF2B5EF4-FFF2-40B4-BE49-F238E27FC236}">
+                <a16:creationId xmlns:a16="http://schemas.microsoft.com/office/drawing/2014/main" id="{2679AE05-CD96-340A-094F-ED0988D912C9}"/>
+              </a:ext>
+            </a:extLst>
+          </p:cNvPr>
+          <p:cNvSpPr>
+            <a:spLocks noGrp="1"/>
+          </p:cNvSpPr>
+          <p:nvPr>
+            <p:ph idx="1"/>
+          </p:nvPr>
+        </p:nvSpPr>
+        <p:spPr/>
+        <p:txBody>
+          <a:bodyPr/>
+          <a:lstStyle/>
+          <a:p>
+            <a:endParaRPr lang="en-US"/>
           </a:p>
         </p:txBody>
       </p:sp>
@@ -33014,8 +33062,17 @@
               <a:rPr lang="en-US" altLang="en-US" dirty="0">
                 <a:latin typeface="Courier New" panose="02070309020205020404" pitchFamily="49" charset="0"/>
               </a:rPr>
-              <a:t>struct ListNode</a:t>
-            </a:r>
+              <a:t>struct </a:t>
+            </a:r>
+            <a:r>
+              <a:rPr lang="en-US" altLang="en-US" dirty="0" err="1">
+                <a:latin typeface="Courier New" panose="02070309020205020404" pitchFamily="49" charset="0"/>
+              </a:rPr>
+              <a:t>ListNode</a:t>
+            </a:r>
+            <a:endParaRPr lang="en-US" altLang="en-US" dirty="0">
+              <a:latin typeface="Courier New" panose="02070309020205020404" pitchFamily="49" charset="0"/>
+            </a:endParaRPr>
           </a:p>
           <a:p>
             <a:pPr lvl="1">
